--- a/document/Capston Design Proposal_6week.pptx
+++ b/document/Capston Design Proposal_6week.pptx
@@ -117,6 +117,11 @@
       </a:defRPr>
     </a:lvl9pPr>
   </p:defaultTextStyle>
+  <p:extLst>
+    <p:ext uri="{EFAFB233-063F-42B5-8137-9DF3F51BA10A}">
+      <p15:sldGuideLst xmlns:p15="http://schemas.microsoft.com/office/powerpoint/2012/main"/>
+    </p:ext>
+  </p:extLst>
 </p:presentation>
 </file>
 
@@ -267,7 +272,7 @@
           <a:p>
             <a:fld id="{F1CF372C-D32C-4542-9BF7-4B7F1788B4CE}" type="datetimeFigureOut">
               <a:rPr lang="ko-KR" altLang="en-US" smtClean="0"/>
-              <a:t>2019-04-14</a:t>
+              <a:t>2019-04-15</a:t>
             </a:fld>
             <a:endParaRPr lang="ko-KR" altLang="en-US"/>
           </a:p>
@@ -465,7 +470,7 @@
           <a:p>
             <a:fld id="{F1CF372C-D32C-4542-9BF7-4B7F1788B4CE}" type="datetimeFigureOut">
               <a:rPr lang="ko-KR" altLang="en-US" smtClean="0"/>
-              <a:t>2019-04-14</a:t>
+              <a:t>2019-04-15</a:t>
             </a:fld>
             <a:endParaRPr lang="ko-KR" altLang="en-US"/>
           </a:p>
@@ -673,7 +678,7 @@
           <a:p>
             <a:fld id="{F1CF372C-D32C-4542-9BF7-4B7F1788B4CE}" type="datetimeFigureOut">
               <a:rPr lang="ko-KR" altLang="en-US" smtClean="0"/>
-              <a:t>2019-04-14</a:t>
+              <a:t>2019-04-15</a:t>
             </a:fld>
             <a:endParaRPr lang="ko-KR" altLang="en-US"/>
           </a:p>
@@ -871,7 +876,7 @@
           <a:p>
             <a:fld id="{F1CF372C-D32C-4542-9BF7-4B7F1788B4CE}" type="datetimeFigureOut">
               <a:rPr lang="ko-KR" altLang="en-US" smtClean="0"/>
-              <a:t>2019-04-14</a:t>
+              <a:t>2019-04-15</a:t>
             </a:fld>
             <a:endParaRPr lang="ko-KR" altLang="en-US"/>
           </a:p>
@@ -1146,7 +1151,7 @@
           <a:p>
             <a:fld id="{F1CF372C-D32C-4542-9BF7-4B7F1788B4CE}" type="datetimeFigureOut">
               <a:rPr lang="ko-KR" altLang="en-US" smtClean="0"/>
-              <a:t>2019-04-14</a:t>
+              <a:t>2019-04-15</a:t>
             </a:fld>
             <a:endParaRPr lang="ko-KR" altLang="en-US"/>
           </a:p>
@@ -1411,7 +1416,7 @@
           <a:p>
             <a:fld id="{F1CF372C-D32C-4542-9BF7-4B7F1788B4CE}" type="datetimeFigureOut">
               <a:rPr lang="ko-KR" altLang="en-US" smtClean="0"/>
-              <a:t>2019-04-14</a:t>
+              <a:t>2019-04-15</a:t>
             </a:fld>
             <a:endParaRPr lang="ko-KR" altLang="en-US"/>
           </a:p>
@@ -1823,7 +1828,7 @@
           <a:p>
             <a:fld id="{F1CF372C-D32C-4542-9BF7-4B7F1788B4CE}" type="datetimeFigureOut">
               <a:rPr lang="ko-KR" altLang="en-US" smtClean="0"/>
-              <a:t>2019-04-14</a:t>
+              <a:t>2019-04-15</a:t>
             </a:fld>
             <a:endParaRPr lang="ko-KR" altLang="en-US"/>
           </a:p>
@@ -1964,7 +1969,7 @@
           <a:p>
             <a:fld id="{F1CF372C-D32C-4542-9BF7-4B7F1788B4CE}" type="datetimeFigureOut">
               <a:rPr lang="ko-KR" altLang="en-US" smtClean="0"/>
-              <a:t>2019-04-14</a:t>
+              <a:t>2019-04-15</a:t>
             </a:fld>
             <a:endParaRPr lang="ko-KR" altLang="en-US"/>
           </a:p>
@@ -2077,7 +2082,7 @@
           <a:p>
             <a:fld id="{F1CF372C-D32C-4542-9BF7-4B7F1788B4CE}" type="datetimeFigureOut">
               <a:rPr lang="ko-KR" altLang="en-US" smtClean="0"/>
-              <a:t>2019-04-14</a:t>
+              <a:t>2019-04-15</a:t>
             </a:fld>
             <a:endParaRPr lang="ko-KR" altLang="en-US"/>
           </a:p>
@@ -2388,7 +2393,7 @@
           <a:p>
             <a:fld id="{F1CF372C-D32C-4542-9BF7-4B7F1788B4CE}" type="datetimeFigureOut">
               <a:rPr lang="ko-KR" altLang="en-US" smtClean="0"/>
-              <a:t>2019-04-14</a:t>
+              <a:t>2019-04-15</a:t>
             </a:fld>
             <a:endParaRPr lang="ko-KR" altLang="en-US"/>
           </a:p>
@@ -2676,7 +2681,7 @@
           <a:p>
             <a:fld id="{F1CF372C-D32C-4542-9BF7-4B7F1788B4CE}" type="datetimeFigureOut">
               <a:rPr lang="ko-KR" altLang="en-US" smtClean="0"/>
-              <a:t>2019-04-14</a:t>
+              <a:t>2019-04-15</a:t>
             </a:fld>
             <a:endParaRPr lang="ko-KR" altLang="en-US"/>
           </a:p>
@@ -2917,7 +2922,7 @@
           <a:p>
             <a:fld id="{F1CF372C-D32C-4542-9BF7-4B7F1788B4CE}" type="datetimeFigureOut">
               <a:rPr lang="ko-KR" altLang="en-US" smtClean="0"/>
-              <a:t>2019-04-14</a:t>
+              <a:t>2019-04-15</a:t>
             </a:fld>
             <a:endParaRPr lang="ko-KR" altLang="en-US"/>
           </a:p>
@@ -3356,11 +3361,11 @@
           <a:lstStyle/>
           <a:p>
             <a:r>
-              <a:rPr lang="en-US" altLang="ko-KR" dirty="0"/>
+              <a:rPr lang="en-US" altLang="ko-KR" b="1" dirty="0"/>
               <a:t>6</a:t>
             </a:r>
             <a:r>
-              <a:rPr lang="ko-KR" altLang="en-US" dirty="0"/>
+              <a:rPr lang="ko-KR" altLang="en-US" b="1" dirty="0"/>
               <a:t>주차 개발 현황 </a:t>
             </a:r>
           </a:p>
@@ -3485,7 +3490,18 @@
           <a:bodyPr/>
           <a:lstStyle/>
           <a:p>
-            <a:endParaRPr lang="ko-KR" altLang="en-US"/>
+            <a:r>
+              <a:rPr lang="en-US" altLang="ko-KR" b="1" dirty="0" err="1"/>
+              <a:t>ImageAI</a:t>
+            </a:r>
+            <a:r>
+              <a:rPr lang="en-US" altLang="ko-KR" b="1" dirty="0"/>
+              <a:t> </a:t>
+            </a:r>
+            <a:r>
+              <a:rPr lang="ko-KR" altLang="en-US" b="1" dirty="0"/>
+              <a:t>라이브러리 다운로드 </a:t>
+            </a:r>
           </a:p>
         </p:txBody>
       </p:sp>
@@ -3674,7 +3690,18 @@
           <a:bodyPr/>
           <a:lstStyle/>
           <a:p>
-            <a:endParaRPr lang="ko-KR" altLang="en-US"/>
+            <a:r>
+              <a:rPr lang="en-US" altLang="ko-KR" b="1" dirty="0" err="1"/>
+              <a:t>ImageAI</a:t>
+            </a:r>
+            <a:r>
+              <a:rPr lang="en-US" altLang="ko-KR" b="1" dirty="0"/>
+              <a:t> </a:t>
+            </a:r>
+            <a:r>
+              <a:rPr lang="ko-KR" altLang="en-US" b="1" dirty="0"/>
+              <a:t>테스트</a:t>
+            </a:r>
           </a:p>
         </p:txBody>
       </p:sp>
@@ -3713,6 +3740,42 @@
               <a:buNone/>
             </a:pPr>
             <a:endParaRPr lang="en-US" altLang="ko-KR" dirty="0"/>
+          </a:p>
+          <a:p>
+            <a:pPr marL="0" indent="0">
+              <a:buNone/>
+            </a:pPr>
+            <a:r>
+              <a:rPr lang="en-US" altLang="ko-KR" sz="1800" dirty="0"/>
+              <a:t>From </a:t>
+            </a:r>
+            <a:r>
+              <a:rPr lang="en-US" altLang="ko-KR" sz="1800" dirty="0" err="1"/>
+              <a:t>Ipython.display</a:t>
+            </a:r>
+            <a:r>
+              <a:rPr lang="en-US" altLang="ko-KR" sz="1800" dirty="0"/>
+              <a:t> import Image</a:t>
+            </a:r>
+          </a:p>
+          <a:p>
+            <a:pPr marL="0" indent="0">
+              <a:buNone/>
+            </a:pPr>
+            <a:r>
+              <a:rPr lang="en-US" altLang="ko-KR" sz="1800" dirty="0"/>
+              <a:t>Image(filename=‘1.</a:t>
+            </a:r>
+            <a:r>
+              <a:rPr lang="en-US" altLang="ko-KR" sz="1800"/>
+              <a:t>jpg’)</a:t>
+            </a:r>
+          </a:p>
+          <a:p>
+            <a:pPr marL="0" indent="0">
+              <a:buNone/>
+            </a:pPr>
+            <a:endParaRPr lang="en-US" altLang="ko-KR" sz="1800" dirty="0"/>
           </a:p>
           <a:p>
             <a:pPr marL="0" indent="0">
@@ -3816,7 +3879,18 @@
           <a:bodyPr/>
           <a:lstStyle/>
           <a:p>
-            <a:endParaRPr lang="ko-KR" altLang="en-US"/>
+            <a:r>
+              <a:rPr lang="en-US" altLang="ko-KR" b="1" dirty="0" err="1"/>
+              <a:t>ImageAI</a:t>
+            </a:r>
+            <a:r>
+              <a:rPr lang="en-US" altLang="ko-KR" b="1" dirty="0"/>
+              <a:t> </a:t>
+            </a:r>
+            <a:r>
+              <a:rPr lang="ko-KR" altLang="en-US" b="1" dirty="0"/>
+              <a:t>테스트 코드 </a:t>
+            </a:r>
           </a:p>
         </p:txBody>
       </p:sp>
@@ -4207,7 +4281,18 @@
           <a:bodyPr/>
           <a:lstStyle/>
           <a:p>
-            <a:endParaRPr lang="ko-KR" altLang="en-US"/>
+            <a:r>
+              <a:rPr lang="en-US" altLang="ko-KR" b="1" dirty="0" err="1"/>
+              <a:t>ImageAI</a:t>
+            </a:r>
+            <a:r>
+              <a:rPr lang="en-US" altLang="ko-KR" b="1" dirty="0"/>
+              <a:t> </a:t>
+            </a:r>
+            <a:r>
+              <a:rPr lang="ko-KR" altLang="en-US" b="1" dirty="0"/>
+              <a:t>테스트 실행 화면 </a:t>
+            </a:r>
           </a:p>
         </p:txBody>
       </p:sp>
@@ -4232,7 +4317,65 @@
           <a:bodyPr/>
           <a:lstStyle/>
           <a:p>
-            <a:endParaRPr lang="ko-KR" altLang="en-US" dirty="0"/>
+            <a:endParaRPr lang="en-US" altLang="ko-KR" dirty="0"/>
+          </a:p>
+          <a:p>
+            <a:endParaRPr lang="en-US" altLang="ko-KR" dirty="0"/>
+          </a:p>
+          <a:p>
+            <a:endParaRPr lang="en-US" altLang="ko-KR" dirty="0"/>
+          </a:p>
+          <a:p>
+            <a:endParaRPr lang="en-US" altLang="ko-KR" dirty="0"/>
+          </a:p>
+          <a:p>
+            <a:endParaRPr lang="en-US" altLang="ko-KR" dirty="0"/>
+          </a:p>
+          <a:p>
+            <a:r>
+              <a:rPr lang="en-US" altLang="ko-KR" dirty="0"/>
+              <a:t>Convertible </a:t>
+            </a:r>
+            <a:r>
+              <a:rPr lang="ko-KR" altLang="en-US" dirty="0"/>
+              <a:t>차량일 확률 </a:t>
+            </a:r>
+            <a:r>
+              <a:rPr lang="en-US" altLang="ko-KR" dirty="0"/>
+              <a:t>52.4%</a:t>
+            </a:r>
+          </a:p>
+          <a:p>
+            <a:r>
+              <a:rPr lang="en-US" altLang="ko-KR" dirty="0" err="1"/>
+              <a:t>Sports_car</a:t>
+            </a:r>
+            <a:r>
+              <a:rPr lang="en-US" altLang="ko-KR" dirty="0"/>
+              <a:t> </a:t>
+            </a:r>
+            <a:r>
+              <a:rPr lang="ko-KR" altLang="en-US" dirty="0"/>
+              <a:t>차량일 확률 </a:t>
+            </a:r>
+            <a:r>
+              <a:rPr lang="en-US" altLang="ko-KR" dirty="0"/>
+              <a:t>37.6% </a:t>
+            </a:r>
+          </a:p>
+          <a:p>
+            <a:r>
+              <a:rPr lang="en-US" altLang="ko-KR" dirty="0"/>
+              <a:t>Pickup</a:t>
+            </a:r>
+            <a:r>
+              <a:rPr lang="ko-KR" altLang="en-US" dirty="0"/>
+              <a:t> 차량일 확률 </a:t>
+            </a:r>
+            <a:r>
+              <a:rPr lang="en-US" altLang="ko-KR" dirty="0"/>
+              <a:t>3.1%</a:t>
+            </a:r>
           </a:p>
         </p:txBody>
       </p:sp>
@@ -4264,6 +4407,16 @@
           <a:prstGeom prst="rect">
             <a:avLst/>
           </a:prstGeom>
+          <a:ln>
+            <a:noFill/>
+          </a:ln>
+          <a:effectLst>
+            <a:outerShdw blurRad="292100" dist="139700" dir="2700000" algn="tl" rotWithShape="0">
+              <a:srgbClr val="333333">
+                <a:alpha val="65000"/>
+              </a:srgbClr>
+            </a:outerShdw>
+          </a:effectLst>
         </p:spPr>
       </p:pic>
     </p:spTree>
@@ -4492,6 +4645,40 @@
             </a:r>
           </a:p>
           <a:p>
+            <a:pPr marL="0" indent="0">
+              <a:buNone/>
+            </a:pPr>
+            <a:r>
+              <a:rPr lang="en-US" altLang="ko-KR" dirty="0"/>
+              <a:t>-</a:t>
+            </a:r>
+            <a:r>
+              <a:rPr lang="en-US" altLang="ko-KR" sz="2400" dirty="0"/>
+              <a:t>Application Programming Interface(</a:t>
+            </a:r>
+            <a:r>
+              <a:rPr lang="ko-KR" altLang="en-US" sz="2400" dirty="0"/>
+              <a:t>응용 프로그래밍 인터페이스</a:t>
+            </a:r>
+            <a:r>
+              <a:rPr lang="en-US" altLang="ko-KR" sz="2400" dirty="0"/>
+              <a:t>)</a:t>
+            </a:r>
+          </a:p>
+          <a:p>
+            <a:pPr marL="0" indent="0">
+              <a:buNone/>
+            </a:pPr>
+            <a:r>
+              <a:rPr lang="ko-KR" altLang="en-US" sz="2400" dirty="0"/>
+              <a:t>프로그램에서 사용할 수 있도록 운영 체제나 프로그래밍 언어가 제공하는 기능을 제어 할 수 있게 만든 인터페이스</a:t>
+            </a:r>
+            <a:endParaRPr lang="en-US" altLang="ko-KR" sz="2400" dirty="0"/>
+          </a:p>
+          <a:p>
+            <a:pPr marL="0" indent="0">
+              <a:buNone/>
+            </a:pPr>
             <a:endParaRPr lang="en-US" altLang="ko-KR" dirty="0"/>
           </a:p>
           <a:p>
@@ -4605,7 +4792,18 @@
           </a:bodyPr>
           <a:lstStyle/>
           <a:p>
-            <a:endParaRPr lang="ko-KR" altLang="en-US"/>
+            <a:r>
+              <a:rPr lang="ko-KR" altLang="en-US" b="1" dirty="0"/>
+              <a:t>구글 클라우드 비전 </a:t>
+            </a:r>
+            <a:r>
+              <a:rPr lang="en-US" altLang="ko-KR" b="1" dirty="0"/>
+              <a:t>API </a:t>
+            </a:r>
+            <a:r>
+              <a:rPr lang="ko-KR" altLang="en-US" b="1" dirty="0"/>
+              <a:t>소개</a:t>
+            </a:r>
           </a:p>
         </p:txBody>
       </p:sp>
@@ -4771,7 +4969,7 @@
             </a:r>
             <a:r>
               <a:rPr lang="ko-KR" altLang="en-US" sz="2000" dirty="0"/>
-              <a:t>를 통해 자신의 앱</a:t>
+              <a:t>를 사용해 자신의 앱</a:t>
             </a:r>
             <a:r>
               <a:rPr lang="en-US" altLang="ko-KR" sz="2000" dirty="0"/>
@@ -4848,7 +5046,18 @@
           <a:bodyPr/>
           <a:lstStyle/>
           <a:p>
-            <a:endParaRPr lang="ko-KR" altLang="en-US"/>
+            <a:r>
+              <a:rPr lang="ko-KR" altLang="en-US" b="1" dirty="0"/>
+              <a:t>구글 클라우드 비전 </a:t>
+            </a:r>
+            <a:r>
+              <a:rPr lang="en-US" altLang="ko-KR" b="1" dirty="0"/>
+              <a:t>API </a:t>
+            </a:r>
+            <a:r>
+              <a:rPr lang="ko-KR" altLang="en-US" b="1" dirty="0"/>
+              <a:t>장점</a:t>
+            </a:r>
           </a:p>
         </p:txBody>
       </p:sp>
@@ -5026,7 +5235,18 @@
           <a:bodyPr/>
           <a:lstStyle/>
           <a:p>
-            <a:endParaRPr lang="ko-KR" altLang="en-US"/>
+            <a:r>
+              <a:rPr lang="ko-KR" altLang="en-US" b="1" dirty="0"/>
+              <a:t>구글 클라우드 비전 </a:t>
+            </a:r>
+            <a:r>
+              <a:rPr lang="en-US" altLang="ko-KR" b="1" dirty="0"/>
+              <a:t>API </a:t>
+            </a:r>
+            <a:r>
+              <a:rPr lang="ko-KR" altLang="en-US" b="1" dirty="0"/>
+              <a:t>단점</a:t>
+            </a:r>
           </a:p>
         </p:txBody>
       </p:sp>
@@ -5051,10 +5271,9 @@
           <a:bodyPr/>
           <a:lstStyle/>
           <a:p>
-            <a:r>
-              <a:rPr lang="ko-KR" altLang="en-US" dirty="0"/>
-              <a:t>단점</a:t>
-            </a:r>
+            <a:pPr marL="0" indent="0">
+              <a:buNone/>
+            </a:pPr>
             <a:endParaRPr lang="en-US" altLang="ko-KR" dirty="0"/>
           </a:p>
           <a:p>
@@ -5075,6 +5294,10 @@
             <a:endParaRPr lang="en-US" altLang="ko-KR" dirty="0"/>
           </a:p>
           <a:p>
+            <a:r>
+              <a:rPr lang="ko-KR" altLang="en-US" dirty="0"/>
+              <a:t>필요하지 않은 기능들이 많음</a:t>
+            </a:r>
             <a:endParaRPr lang="en-US" altLang="ko-KR" dirty="0"/>
           </a:p>
           <a:p>
@@ -5097,15 +5320,15 @@
               <a:buChar char="-"/>
             </a:pPr>
             <a:r>
-              <a:rPr lang="en-US" altLang="ko-KR" dirty="0" err="1"/>
+              <a:rPr lang="en-US" altLang="ko-KR" b="1" dirty="0" err="1"/>
               <a:t>ImageAI</a:t>
             </a:r>
             <a:r>
-              <a:rPr lang="en-US" altLang="ko-KR" dirty="0"/>
+              <a:rPr lang="en-US" altLang="ko-KR" b="1" dirty="0"/>
               <a:t> </a:t>
             </a:r>
             <a:r>
-              <a:rPr lang="ko-KR" altLang="en-US" dirty="0"/>
+              <a:rPr lang="ko-KR" altLang="en-US" b="1" dirty="0"/>
               <a:t> </a:t>
             </a:r>
           </a:p>
@@ -5246,7 +5469,18 @@
           </a:bodyPr>
           <a:lstStyle/>
           <a:p>
-            <a:endParaRPr lang="ko-KR" altLang="en-US" sz="4000" dirty="0"/>
+            <a:r>
+              <a:rPr lang="en-US" altLang="ko-KR" sz="4000" b="1" dirty="0" err="1"/>
+              <a:t>ImageAI</a:t>
+            </a:r>
+            <a:r>
+              <a:rPr lang="en-US" altLang="ko-KR" sz="4000" b="1" dirty="0"/>
+              <a:t> </a:t>
+            </a:r>
+            <a:r>
+              <a:rPr lang="ko-KR" altLang="en-US" sz="4000" b="1" dirty="0"/>
+              <a:t>소개 </a:t>
+            </a:r>
           </a:p>
         </p:txBody>
       </p:sp>
@@ -5495,7 +5729,14 @@
           <a:bodyPr/>
           <a:lstStyle/>
           <a:p>
-            <a:endParaRPr lang="ko-KR" altLang="en-US"/>
+            <a:r>
+              <a:rPr lang="en-US" altLang="ko-KR" b="1" dirty="0" err="1"/>
+              <a:t>ImageAI</a:t>
+            </a:r>
+            <a:r>
+              <a:rPr lang="ko-KR" altLang="en-US" b="1" dirty="0"/>
+              <a:t>의 학습 모델 소개</a:t>
+            </a:r>
           </a:p>
         </p:txBody>
       </p:sp>
@@ -5614,6 +5855,14 @@
 <file path=ppt/slides/slide8.xml><?xml version="1.0" encoding="utf-8"?>
 <p:sld xmlns:a="http://schemas.openxmlformats.org/drawingml/2006/main" xmlns:r="http://schemas.openxmlformats.org/officeDocument/2006/relationships" xmlns:p="http://schemas.openxmlformats.org/presentationml/2006/main">
   <p:cSld>
+    <p:bg>
+      <p:bgPr>
+        <a:solidFill>
+          <a:schemeClr val="bg1"/>
+        </a:solidFill>
+        <a:effectLst/>
+      </p:bgPr>
+    </p:bg>
     <p:spTree>
       <p:nvGrpSpPr>
         <p:cNvPr id="1" name=""/>
@@ -5630,6 +5879,75 @@
       </p:grpSpPr>
       <p:sp>
         <p:nvSpPr>
+          <p:cNvPr id="1030" name="Rectangle 72">
+            <a:extLst>
+              <a:ext uri="{FF2B5EF4-FFF2-40B4-BE49-F238E27FC236}">
+                <a16:creationId xmlns:a16="http://schemas.microsoft.com/office/drawing/2014/main" id="{E02F3C71-C981-4614-98EA-D6C494F8091E}"/>
+              </a:ext>
+              <a:ext uri="{C183D7F6-B498-43B3-948B-1728B52AA6E4}">
+                <adec:decorative xmlns:adec="http://schemas.microsoft.com/office/drawing/2017/decorative" val="1"/>
+              </a:ext>
+            </a:extLst>
+          </p:cNvPr>
+          <p:cNvSpPr>
+            <a:spLocks noGrp="1" noRot="1" noChangeAspect="1" noMove="1" noResize="1" noEditPoints="1" noAdjustHandles="1" noChangeArrowheads="1" noChangeShapeType="1" noTextEdit="1"/>
+          </p:cNvSpPr>
+          <p:nvPr>
+            <p:extLst>
+              <p:ext uri="{386F3935-93C4-4BCD-93E2-E3B085C9AB24}">
+                <p16:designElem xmlns:p16="http://schemas.microsoft.com/office/powerpoint/2015/main" val="1"/>
+              </p:ext>
+            </p:extLst>
+          </p:nvPr>
+        </p:nvSpPr>
+        <p:spPr bwMode="ltGray">
+          <a:xfrm>
+            <a:off x="336883" y="321176"/>
+            <a:ext cx="7174247" cy="5896743"/>
+          </a:xfrm>
+          <a:prstGeom prst="rect">
+            <a:avLst/>
+          </a:prstGeom>
+          <a:solidFill>
+            <a:schemeClr val="tx1">
+              <a:alpha val="15000"/>
+            </a:schemeClr>
+          </a:solidFill>
+          <a:ln w="127000" cap="sq" cmpd="thinThick">
+            <a:solidFill>
+              <a:schemeClr val="tx1">
+                <a:alpha val="10000"/>
+              </a:schemeClr>
+            </a:solidFill>
+          </a:ln>
+        </p:spPr>
+        <p:style>
+          <a:lnRef idx="2">
+            <a:schemeClr val="accent1">
+              <a:shade val="50000"/>
+            </a:schemeClr>
+          </a:lnRef>
+          <a:fillRef idx="1">
+            <a:schemeClr val="accent1"/>
+          </a:fillRef>
+          <a:effectRef idx="0">
+            <a:schemeClr val="accent1"/>
+          </a:effectRef>
+          <a:fontRef idx="minor">
+            <a:schemeClr val="lt1"/>
+          </a:fontRef>
+        </p:style>
+        <p:txBody>
+          <a:bodyPr rtlCol="0" anchor="ctr"/>
+          <a:lstStyle/>
+          <a:p>
+            <a:pPr algn="ctr"/>
+            <a:endParaRPr lang="en-US"/>
+          </a:p>
+        </p:txBody>
+      </p:sp>
+      <p:sp>
+        <p:nvSpPr>
           <p:cNvPr id="2" name="제목 1">
             <a:extLst>
               <a:ext uri="{FF2B5EF4-FFF2-40B4-BE49-F238E27FC236}">
@@ -5644,13 +5962,20 @@
             <p:ph type="title"/>
           </p:nvPr>
         </p:nvSpPr>
-        <p:spPr/>
-        <p:txBody>
-          <a:bodyPr/>
-          <a:lstStyle/>
-          <a:p>
-            <a:r>
-              <a:rPr lang="ko-KR" altLang="en-US" dirty="0"/>
+        <p:spPr>
+          <a:xfrm>
+            <a:off x="821516" y="640263"/>
+            <a:ext cx="6204984" cy="1344975"/>
+          </a:xfrm>
+        </p:spPr>
+        <p:txBody>
+          <a:bodyPr>
+            <a:normAutofit/>
+          </a:bodyPr>
+          <a:lstStyle/>
+          <a:p>
+            <a:r>
+              <a:rPr lang="ko-KR" altLang="en-US" sz="4000" b="1"/>
               <a:t>데이터 분석을 위한 소프트웨어</a:t>
             </a:r>
           </a:p>
@@ -5672,28 +5997,206 @@
             <p:ph idx="1"/>
           </p:nvPr>
         </p:nvSpPr>
-        <p:spPr/>
-        <p:txBody>
-          <a:bodyPr/>
-          <a:lstStyle/>
-          <a:p>
-            <a:r>
-              <a:rPr lang="ko-KR" altLang="en-US" dirty="0"/>
+        <p:spPr>
+          <a:xfrm>
+            <a:off x="821515" y="2121762"/>
+            <a:ext cx="6204984" cy="3626917"/>
+          </a:xfrm>
+        </p:spPr>
+        <p:txBody>
+          <a:bodyPr>
+            <a:normAutofit lnSpcReduction="10000"/>
+          </a:bodyPr>
+          <a:lstStyle/>
+          <a:p>
+            <a:r>
+              <a:rPr lang="ko-KR" altLang="en-US" sz="2400" dirty="0"/>
               <a:t>아나콘다</a:t>
             </a:r>
-            <a:endParaRPr lang="en-US" altLang="ko-KR" dirty="0"/>
-          </a:p>
-          <a:p>
-            <a:endParaRPr lang="en-US" altLang="ko-KR" dirty="0"/>
-          </a:p>
-          <a:p>
-            <a:r>
-              <a:rPr lang="ko-KR" altLang="en-US" dirty="0"/>
+            <a:endParaRPr lang="en-US" altLang="ko-KR" sz="2400" dirty="0"/>
+          </a:p>
+          <a:p>
+            <a:pPr>
+              <a:buFontTx/>
+              <a:buChar char="-"/>
+            </a:pPr>
+            <a:r>
+              <a:rPr lang="ko-KR" altLang="en-US" sz="2400" dirty="0"/>
+              <a:t>과학 연구 및 </a:t>
+            </a:r>
+            <a:r>
+              <a:rPr lang="ko-KR" altLang="en-US" sz="2400" dirty="0" err="1"/>
+              <a:t>머신러닝</a:t>
+            </a:r>
+            <a:r>
+              <a:rPr lang="ko-KR" altLang="en-US" sz="2400" dirty="0"/>
+              <a:t> 분야에 적합한 </a:t>
+            </a:r>
+            <a:r>
+              <a:rPr lang="en-US" altLang="ko-KR" sz="2400" dirty="0"/>
+              <a:t>Python, R</a:t>
+            </a:r>
+            <a:r>
+              <a:rPr lang="ko-KR" altLang="en-US" sz="2400" dirty="0"/>
+              <a:t>언어의 패키지 관리를 편리하게 해주는 무료 오픈 소스 소프트웨어</a:t>
+            </a:r>
+            <a:endParaRPr lang="en-US" altLang="ko-KR" sz="2400" dirty="0"/>
+          </a:p>
+          <a:p>
+            <a:pPr marL="0" indent="0">
+              <a:buNone/>
+            </a:pPr>
+            <a:r>
+              <a:rPr lang="en-US" altLang="ko-KR" sz="2400" dirty="0">
+                <a:hlinkClick r:id="rId2"/>
+              </a:rPr>
+              <a:t>https://www.anaconda.com/distribution/</a:t>
+            </a:r>
+            <a:endParaRPr lang="en-US" altLang="ko-KR" sz="2400" dirty="0"/>
+          </a:p>
+          <a:p>
+            <a:r>
+              <a:rPr lang="ko-KR" altLang="en-US" sz="2400" dirty="0"/>
               <a:t>파이썬</a:t>
             </a:r>
-          </a:p>
-        </p:txBody>
-      </p:sp>
+            <a:endParaRPr lang="en-US" altLang="ko-KR" sz="2400" dirty="0"/>
+          </a:p>
+          <a:p>
+            <a:pPr marL="0" indent="0">
+              <a:buNone/>
+            </a:pPr>
+            <a:r>
+              <a:rPr lang="en-US" altLang="ko-KR" sz="2400" dirty="0"/>
+              <a:t>-</a:t>
+            </a:r>
+            <a:r>
+              <a:rPr lang="ko-KR" altLang="en-US" sz="2400" dirty="0"/>
+              <a:t>인터프리터식</a:t>
+            </a:r>
+            <a:r>
+              <a:rPr lang="en-US" altLang="ko-KR" sz="2400" dirty="0"/>
+              <a:t>, </a:t>
+            </a:r>
+            <a:r>
+              <a:rPr lang="ko-KR" altLang="en-US" sz="2400" dirty="0"/>
+              <a:t>객체지향적 언어</a:t>
+            </a:r>
+            <a:r>
+              <a:rPr lang="en-US" altLang="ko-KR" sz="2400" dirty="0"/>
+              <a:t>. </a:t>
+            </a:r>
+            <a:r>
+              <a:rPr lang="ko-KR" altLang="en-US" sz="2400" dirty="0"/>
+              <a:t>데이터분석에 특화되어 있음</a:t>
+            </a:r>
+            <a:endParaRPr lang="en-US" altLang="ko-KR" sz="2400" dirty="0"/>
+          </a:p>
+          <a:p>
+            <a:pPr marL="0" indent="0">
+              <a:buNone/>
+            </a:pPr>
+            <a:r>
+              <a:rPr lang="en-US" altLang="ko-KR" sz="2400" dirty="0">
+                <a:hlinkClick r:id="rId3"/>
+              </a:rPr>
+              <a:t>https://www.python.org/</a:t>
+            </a:r>
+            <a:endParaRPr lang="ko-KR" altLang="en-US" sz="2400" dirty="0"/>
+          </a:p>
+        </p:txBody>
+      </p:sp>
+      <p:pic>
+        <p:nvPicPr>
+          <p:cNvPr id="1026" name="Picture 2" descr="ìëì½ë¤ logoì ëí ì´ë¯¸ì§ ê²ìê²°ê³¼">
+            <a:extLst>
+              <a:ext uri="{FF2B5EF4-FFF2-40B4-BE49-F238E27FC236}">
+                <a16:creationId xmlns:a16="http://schemas.microsoft.com/office/drawing/2014/main" id="{3F8E2C16-8308-47D4-B72E-4400E7019590}"/>
+              </a:ext>
+            </a:extLst>
+          </p:cNvPr>
+          <p:cNvPicPr>
+            <a:picLocks noChangeAspect="1" noChangeArrowheads="1"/>
+          </p:cNvPicPr>
+          <p:nvPr/>
+        </p:nvPicPr>
+        <p:blipFill>
+          <a:blip r:embed="rId4">
+            <a:extLst>
+              <a:ext uri="{28A0092B-C50C-407E-A947-70E740481C1C}">
+                <a14:useLocalDpi xmlns:a14="http://schemas.microsoft.com/office/drawing/2010/main" val="0"/>
+              </a:ext>
+            </a:extLst>
+          </a:blip>
+          <a:stretch>
+            <a:fillRect/>
+          </a:stretch>
+        </p:blipFill>
+        <p:spPr bwMode="auto">
+          <a:xfrm>
+            <a:off x="7885598" y="306909"/>
+            <a:ext cx="3930315" cy="2286000"/>
+          </a:xfrm>
+          <a:prstGeom prst="rect">
+            <a:avLst/>
+          </a:prstGeom>
+          <a:noFill/>
+          <a:extLst>
+            <a:ext uri="{909E8E84-426E-40DD-AFC4-6F175D3DCCD1}">
+              <a14:hiddenFill xmlns:a14="http://schemas.microsoft.com/office/drawing/2010/main">
+                <a:solidFill>
+                  <a:srgbClr val="FFFFFF"/>
+                </a:solidFill>
+              </a14:hiddenFill>
+            </a:ext>
+          </a:extLst>
+        </p:spPr>
+      </p:pic>
+      <p:pic>
+        <p:nvPicPr>
+          <p:cNvPr id="1028" name="Picture 4" descr="íì´ì¬ logoì ëí ì´ë¯¸ì§ ê²ìê²°ê³¼">
+            <a:extLst>
+              <a:ext uri="{FF2B5EF4-FFF2-40B4-BE49-F238E27FC236}">
+                <a16:creationId xmlns:a16="http://schemas.microsoft.com/office/drawing/2014/main" id="{5D064B97-238B-404F-B4CE-9EA39AF3BCF4}"/>
+              </a:ext>
+            </a:extLst>
+          </p:cNvPr>
+          <p:cNvPicPr>
+            <a:picLocks noChangeAspect="1" noChangeArrowheads="1"/>
+          </p:cNvPicPr>
+          <p:nvPr/>
+        </p:nvPicPr>
+        <p:blipFill>
+          <a:blip r:embed="rId5">
+            <a:extLst>
+              <a:ext uri="{28A0092B-C50C-407E-A947-70E740481C1C}">
+                <a14:useLocalDpi xmlns:a14="http://schemas.microsoft.com/office/drawing/2010/main" val="0"/>
+              </a:ext>
+            </a:extLst>
+          </a:blip>
+          <a:stretch>
+            <a:fillRect/>
+          </a:stretch>
+        </p:blipFill>
+        <p:spPr bwMode="auto">
+          <a:xfrm>
+            <a:off x="8341372" y="2828925"/>
+            <a:ext cx="3018767" cy="3388994"/>
+          </a:xfrm>
+          <a:prstGeom prst="rect">
+            <a:avLst/>
+          </a:prstGeom>
+          <a:noFill/>
+          <a:extLst>
+            <a:ext uri="{909E8E84-426E-40DD-AFC4-6F175D3DCCD1}">
+              <a14:hiddenFill xmlns:a14="http://schemas.microsoft.com/office/drawing/2010/main">
+                <a:solidFill>
+                  <a:srgbClr val="FFFFFF"/>
+                </a:solidFill>
+              </a14:hiddenFill>
+            </a:ext>
+          </a:extLst>
+        </p:spPr>
+      </p:pic>
     </p:spTree>
     <p:extLst>
       <p:ext uri="{BB962C8B-B14F-4D97-AF65-F5344CB8AC3E}">
